--- a/ASC-36_Student Competition_UW-Madison.pptx
+++ b/ASC-36_Student Competition_UW-Madison.pptx
@@ -6688,119 +6688,119 @@
           <p:nvPr>
             <p:extLst>
               <p:ext uri="{D42A27DB-BD31-4B8C-83A1-F6EECF244321}">
-                <p14:modId xmlns:p14="http://schemas.microsoft.com/office/powerpoint/2010/main" val="1220995358"/>
+                <p14:modId xmlns:p14="http://schemas.microsoft.com/office/powerpoint/2010/main" val="4007712539"/>
               </p:ext>
             </p:extLst>
           </p:nvPr>
         </p:nvGraphicFramePr>
         <p:xfrm>
           <a:off x="228600" y="869826"/>
-          <a:ext cx="11963400" cy="2716299"/>
+          <a:ext cx="11963400" cy="1682721"/>
         </p:xfrm>
         <a:graphic>
           <a:graphicData uri="http://schemas.openxmlformats.org/drawingml/2006/table">
             <a:tbl>
               <a:tblPr/>
               <a:tblGrid>
-                <a:gridCol w="456117">
+                <a:gridCol w="685800">
                   <a:extLst>
                     <a:ext uri="{9D8B030D-6E8A-4147-A177-3AD203B41FA5}">
                       <a16:colId xmlns:a16="http://schemas.microsoft.com/office/drawing/2014/main" val="3867992065"/>
                     </a:ext>
                   </a:extLst>
                 </a:gridCol>
-                <a:gridCol w="483931">
+                <a:gridCol w="457200">
                   <a:extLst>
                     <a:ext uri="{9D8B030D-6E8A-4147-A177-3AD203B41FA5}">
                       <a16:colId xmlns:a16="http://schemas.microsoft.com/office/drawing/2014/main" val="1173246655"/>
                     </a:ext>
                   </a:extLst>
                 </a:gridCol>
-                <a:gridCol w="674650">
+                <a:gridCol w="609600">
                   <a:extLst>
                     <a:ext uri="{9D8B030D-6E8A-4147-A177-3AD203B41FA5}">
                       <a16:colId xmlns:a16="http://schemas.microsoft.com/office/drawing/2014/main" val="2140639775"/>
                     </a:ext>
                   </a:extLst>
                 </a:gridCol>
-                <a:gridCol w="973369">
+                <a:gridCol w="914400">
                   <a:extLst>
                     <a:ext uri="{9D8B030D-6E8A-4147-A177-3AD203B41FA5}">
                       <a16:colId xmlns:a16="http://schemas.microsoft.com/office/drawing/2014/main" val="1689570366"/>
                     </a:ext>
                   </a:extLst>
                 </a:gridCol>
-                <a:gridCol w="498554">
+                <a:gridCol w="533400">
                   <a:extLst>
                     <a:ext uri="{9D8B030D-6E8A-4147-A177-3AD203B41FA5}">
                       <a16:colId xmlns:a16="http://schemas.microsoft.com/office/drawing/2014/main" val="1757829199"/>
                     </a:ext>
                   </a:extLst>
                 </a:gridCol>
-                <a:gridCol w="751788">
+                <a:gridCol w="762000">
                   <a:extLst>
                     <a:ext uri="{9D8B030D-6E8A-4147-A177-3AD203B41FA5}">
                       <a16:colId xmlns:a16="http://schemas.microsoft.com/office/drawing/2014/main" val="2889418716"/>
                     </a:ext>
                   </a:extLst>
                 </a:gridCol>
-                <a:gridCol w="949628">
+                <a:gridCol w="914400">
                   <a:extLst>
                     <a:ext uri="{9D8B030D-6E8A-4147-A177-3AD203B41FA5}">
                       <a16:colId xmlns:a16="http://schemas.microsoft.com/office/drawing/2014/main" val="3046622076"/>
                     </a:ext>
                   </a:extLst>
                 </a:gridCol>
-                <a:gridCol w="728048">
+                <a:gridCol w="762000">
                   <a:extLst>
                     <a:ext uri="{9D8B030D-6E8A-4147-A177-3AD203B41FA5}">
                       <a16:colId xmlns:a16="http://schemas.microsoft.com/office/drawing/2014/main" val="2632504264"/>
                     </a:ext>
                   </a:extLst>
                 </a:gridCol>
-                <a:gridCol w="648913">
+                <a:gridCol w="762000">
                   <a:extLst>
                     <a:ext uri="{9D8B030D-6E8A-4147-A177-3AD203B41FA5}">
                       <a16:colId xmlns:a16="http://schemas.microsoft.com/office/drawing/2014/main" val="718901398"/>
                     </a:ext>
                   </a:extLst>
                 </a:gridCol>
-                <a:gridCol w="696395">
+                <a:gridCol w="685800">
                   <a:extLst>
                     <a:ext uri="{9D8B030D-6E8A-4147-A177-3AD203B41FA5}">
                       <a16:colId xmlns:a16="http://schemas.microsoft.com/office/drawing/2014/main" val="3200275052"/>
                     </a:ext>
                   </a:extLst>
                 </a:gridCol>
-                <a:gridCol w="743876">
+                <a:gridCol w="762000">
                   <a:extLst>
                     <a:ext uri="{9D8B030D-6E8A-4147-A177-3AD203B41FA5}">
                       <a16:colId xmlns:a16="http://schemas.microsoft.com/office/drawing/2014/main" val="713071109"/>
                     </a:ext>
                   </a:extLst>
                 </a:gridCol>
-                <a:gridCol w="799270">
+                <a:gridCol w="838200">
                   <a:extLst>
                     <a:ext uri="{9D8B030D-6E8A-4147-A177-3AD203B41FA5}">
                       <a16:colId xmlns:a16="http://schemas.microsoft.com/office/drawing/2014/main" val="31734834"/>
                     </a:ext>
                   </a:extLst>
                 </a:gridCol>
-                <a:gridCol w="846752">
+                <a:gridCol w="838200">
                   <a:extLst>
                     <a:ext uri="{9D8B030D-6E8A-4147-A177-3AD203B41FA5}">
                       <a16:colId xmlns:a16="http://schemas.microsoft.com/office/drawing/2014/main" val="364962113"/>
                     </a:ext>
                   </a:extLst>
                 </a:gridCol>
-                <a:gridCol w="830925">
+                <a:gridCol w="685800">
                   <a:extLst>
                     <a:ext uri="{9D8B030D-6E8A-4147-A177-3AD203B41FA5}">
                       <a16:colId xmlns:a16="http://schemas.microsoft.com/office/drawing/2014/main" val="766566639"/>
                     </a:ext>
                   </a:extLst>
                 </a:gridCol>
-                <a:gridCol w="939489">
+                <a:gridCol w="810905">
                   <a:extLst>
                     <a:ext uri="{9D8B030D-6E8A-4147-A177-3AD203B41FA5}">
                       <a16:colId xmlns:a16="http://schemas.microsoft.com/office/drawing/2014/main" val="4253126935"/>
@@ -10867,7 +10867,13 @@
                       <a:pPr algn="ctr" rtl="0" fontAlgn="ctr"/>
                       <a:r>
                         <a:rPr lang="en-US" sz="1600" dirty="0">
+                          <a:solidFill>
+                            <a:schemeClr val="tx1"/>
+                          </a:solidFill>
                           <a:effectLst/>
+                          <a:highlight>
+                            <a:srgbClr val="FFFF00"/>
+                          </a:highlight>
                         </a:rPr>
                         <a:t>200</a:t>
                       </a:r>
@@ -11002,7 +11008,13 @@
                       <a:pPr algn="ctr" rtl="0" fontAlgn="ctr"/>
                       <a:r>
                         <a:rPr lang="en-US" sz="1600" dirty="0">
+                          <a:solidFill>
+                            <a:schemeClr val="tx1"/>
+                          </a:solidFill>
                           <a:effectLst/>
+                          <a:highlight>
+                            <a:srgbClr val="FFFF00"/>
+                          </a:highlight>
                         </a:rPr>
                         <a:t>0.003</a:t>
                       </a:r>
@@ -11137,7 +11149,13 @@
                       <a:pPr algn="ctr" rtl="0" fontAlgn="ctr"/>
                       <a:r>
                         <a:rPr lang="en-US" sz="1600" dirty="0">
+                          <a:solidFill>
+                            <a:schemeClr val="tx1"/>
+                          </a:solidFill>
                           <a:effectLst/>
+                          <a:highlight>
+                            <a:srgbClr val="FFFF00"/>
+                          </a:highlight>
                         </a:rPr>
                         <a:t>58.53</a:t>
                       </a:r>
@@ -13052,7 +13070,13 @@
                       <a:pPr algn="ctr" rtl="0" fontAlgn="ctr"/>
                       <a:r>
                         <a:rPr lang="en-US" sz="1600" dirty="0">
+                          <a:solidFill>
+                            <a:schemeClr val="tx1"/>
+                          </a:solidFill>
                           <a:effectLst/>
+                          <a:highlight>
+                            <a:srgbClr val="FFFF00"/>
+                          </a:highlight>
                         </a:rPr>
                         <a:t>200</a:t>
                       </a:r>
@@ -13187,7 +13211,13 @@
                       <a:pPr algn="ctr" rtl="0" fontAlgn="ctr"/>
                       <a:r>
                         <a:rPr lang="en-US" sz="1600" dirty="0">
+                          <a:solidFill>
+                            <a:schemeClr val="tx1"/>
+                          </a:solidFill>
                           <a:effectLst/>
+                          <a:highlight>
+                            <a:srgbClr val="FFFF00"/>
+                          </a:highlight>
                         </a:rPr>
                         <a:t>1.08E-06</a:t>
                       </a:r>
@@ -13322,7 +13352,13 @@
                       <a:pPr algn="ctr" rtl="0" fontAlgn="ctr"/>
                       <a:r>
                         <a:rPr lang="en-US" sz="1600" dirty="0">
+                          <a:solidFill>
+                            <a:schemeClr val="tx1"/>
+                          </a:solidFill>
                           <a:effectLst/>
+                          <a:highlight>
+                            <a:srgbClr val="FFFF00"/>
+                          </a:highlight>
                         </a:rPr>
                         <a:t>56.77</a:t>
                       </a:r>
@@ -15237,7 +15273,13 @@
                       <a:pPr algn="ctr" rtl="0" fontAlgn="ctr"/>
                       <a:r>
                         <a:rPr lang="en-US" sz="1600" dirty="0">
+                          <a:solidFill>
+                            <a:schemeClr val="tx1"/>
+                          </a:solidFill>
                           <a:effectLst/>
+                          <a:highlight>
+                            <a:srgbClr val="FFFF00"/>
+                          </a:highlight>
                         </a:rPr>
                         <a:t>200</a:t>
                       </a:r>
@@ -15372,7 +15414,13 @@
                       <a:pPr algn="ctr" rtl="0" fontAlgn="ctr"/>
                       <a:r>
                         <a:rPr lang="en-US" sz="1600" dirty="0">
+                          <a:solidFill>
+                            <a:schemeClr val="tx1"/>
+                          </a:solidFill>
                           <a:effectLst/>
+                          <a:highlight>
+                            <a:srgbClr val="FFFF00"/>
+                          </a:highlight>
                         </a:rPr>
                         <a:t>16.99</a:t>
                       </a:r>
@@ -15507,7 +15555,13 @@
                       <a:pPr algn="ctr" rtl="0" fontAlgn="ctr"/>
                       <a:r>
                         <a:rPr lang="en-US" sz="1600" dirty="0">
+                          <a:solidFill>
+                            <a:schemeClr val="tx1"/>
+                          </a:solidFill>
                           <a:effectLst/>
+                          <a:highlight>
+                            <a:srgbClr val="FFFF00"/>
+                          </a:highlight>
                         </a:rPr>
                         <a:t>58.52</a:t>
                       </a:r>
@@ -15585,7 +15639,7 @@
         </p:nvSpPr>
         <p:spPr>
           <a:xfrm>
-            <a:off x="533400" y="3925134"/>
+            <a:off x="685800" y="2738480"/>
             <a:ext cx="8942664" cy="523220"/>
           </a:xfrm>
           <a:prstGeom prst="rect">
@@ -22715,7 +22769,7 @@
                 <a:latin typeface="Arial" panose="020B0604020202020204" pitchFamily="34" charset="0"/>
                 <a:cs typeface="Arial" panose="020B0604020202020204" pitchFamily="34" charset="0"/>
               </a:rPr>
-              <a:t>) + 57.8</a:t>
+              <a:t>) + 57.38</a:t>
             </a:r>
           </a:p>
           <a:p>
@@ -24658,7 +24712,7 @@
             <p:spPr>
               <a:xfrm>
                 <a:off x="2743200" y="2590800"/>
-                <a:ext cx="7232749" cy="733471"/>
+                <a:ext cx="7482626" cy="733471"/>
               </a:xfrm>
               <a:prstGeom prst="rect">
                 <a:avLst/>
@@ -24834,7 +24888,7 @@
                                 <m:t>(</m:t>
                               </m:r>
                               <m:r>
-                                <a:rPr lang="en-US" sz="1600" b="1" i="1">
+                                <a:rPr lang="en-US" sz="1600" b="1" i="1" smtClean="0">
                                   <a:solidFill>
                                     <a:sysClr val="windowText" lastClr="000000"/>
                                   </a:solidFill>
@@ -25184,7 +25238,7 @@
                             </m:dPr>
                             <m:e>
                               <m:r>
-                                <a:rPr lang="en-US" sz="1600" b="1" i="1">
+                                <a:rPr lang="en-US" sz="1600" b="1" i="1" smtClean="0">
                                   <a:solidFill>
                                     <a:sysClr val="windowText" lastClr="000000"/>
                                   </a:solidFill>
@@ -25477,6 +25531,24 @@
                               </m:r>
                             </m:e>
                           </m:d>
+                          <m:r>
+                            <a:rPr lang="en-US" sz="1600" b="1" i="1" smtClean="0">
+                              <a:solidFill>
+                                <a:sysClr val="windowText" lastClr="000000"/>
+                              </a:solidFill>
+                              <a:latin typeface="Cambria Math" panose="02040503050406030204" pitchFamily="18" charset="0"/>
+                            </a:rPr>
+                            <m:t>−</m:t>
+                          </m:r>
+                          <m:r>
+                            <a:rPr lang="en-US" sz="1600" b="1" i="1" smtClean="0">
+                              <a:solidFill>
+                                <a:sysClr val="windowText" lastClr="000000"/>
+                              </a:solidFill>
+                              <a:latin typeface="Cambria Math" panose="02040503050406030204" pitchFamily="18" charset="0"/>
+                            </a:rPr>
+                            <m:t>𝟏</m:t>
+                          </m:r>
                         </m:e>
                       </m:nary>
                     </m:oMath>
@@ -25510,7 +25582,7 @@
             <p:spPr>
               <a:xfrm>
                 <a:off x="2743200" y="2590800"/>
-                <a:ext cx="7232749" cy="733471"/>
+                <a:ext cx="7482626" cy="733471"/>
               </a:xfrm>
               <a:prstGeom prst="rect">
                 <a:avLst/>
@@ -26354,8 +26426,8 @@
             </p:nvSpPr>
             <p:spPr>
               <a:xfrm>
-                <a:off x="5737476" y="5597701"/>
-                <a:ext cx="6829242" cy="723596"/>
+                <a:off x="5791200" y="5613272"/>
+                <a:ext cx="6242415" cy="633122"/>
               </a:xfrm>
               <a:prstGeom prst="rect">
                 <a:avLst/>
@@ -26383,7 +26455,7 @@
                     </m:oMathParaPr>
                     <m:oMath xmlns:m="http://schemas.openxmlformats.org/officeDocument/2006/math">
                       <m:r>
-                        <a:rPr lang="en-US" sz="1600" i="1" smtClean="0">
+                        <a:rPr lang="en-US" sz="1400" i="1" smtClean="0">
                           <a:solidFill>
                             <a:prstClr val="black"/>
                           </a:solidFill>
@@ -26392,7 +26464,7 @@
                         <m:t>𝑌</m:t>
                       </m:r>
                       <m:r>
-                        <a:rPr lang="en-US" sz="1600" i="1" smtClean="0">
+                        <a:rPr lang="en-US" sz="1400" i="1" smtClean="0">
                           <a:solidFill>
                             <a:prstClr val="black"/>
                           </a:solidFill>
@@ -26404,7 +26476,7 @@
                         <m:naryPr>
                           <m:chr m:val="∑"/>
                           <m:ctrlPr>
-                            <a:rPr lang="en-US" sz="1600" i="1" smtClean="0">
+                            <a:rPr lang="en-US" sz="1400" i="1" smtClean="0">
                               <a:solidFill>
                                 <a:prstClr val="black"/>
                               </a:solidFill>
@@ -26417,7 +26489,7 @@
                             <m:rPr>
                               <m:brk m:alnAt="23"/>
                             </m:rPr>
-                            <a:rPr lang="en-US" sz="1600" i="1" smtClean="0">
+                            <a:rPr lang="en-US" sz="1400" i="1" smtClean="0">
                               <a:solidFill>
                                 <a:prstClr val="black"/>
                               </a:solidFill>
@@ -26426,7 +26498,7 @@
                             <m:t>𝑖</m:t>
                           </m:r>
                           <m:r>
-                            <a:rPr lang="en-US" sz="1600" i="1" smtClean="0">
+                            <a:rPr lang="en-US" sz="1400" i="1" smtClean="0">
                               <a:solidFill>
                                 <a:prstClr val="black"/>
                               </a:solidFill>
@@ -26437,7 +26509,7 @@
                         </m:sub>
                         <m:sup>
                           <m:r>
-                            <a:rPr lang="en-US" sz="1600" i="1" smtClean="0">
+                            <a:rPr lang="en-US" sz="1400" i="1" smtClean="0">
                               <a:solidFill>
                                 <a:prstClr val="black"/>
                               </a:solidFill>
@@ -26451,7 +26523,7 @@
                             <m:naryPr>
                               <m:chr m:val="∑"/>
                               <m:ctrlPr>
-                                <a:rPr lang="en-US" sz="1600" i="1" smtClean="0">
+                                <a:rPr lang="en-US" sz="1400" i="1" smtClean="0">
                                   <a:solidFill>
                                     <a:prstClr val="black"/>
                                   </a:solidFill>
@@ -26464,7 +26536,7 @@
                                 <m:rPr>
                                   <m:brk m:alnAt="23"/>
                                 </m:rPr>
-                                <a:rPr lang="en-US" sz="1600" b="0" i="1" smtClean="0">
+                                <a:rPr lang="en-US" sz="1400" b="0" i="1" smtClean="0">
                                   <a:solidFill>
                                     <a:prstClr val="black"/>
                                   </a:solidFill>
@@ -26473,7 +26545,7 @@
                                 <m:t>𝑗</m:t>
                               </m:r>
                               <m:r>
-                                <a:rPr lang="en-US" sz="1600" b="0" i="1" smtClean="0">
+                                <a:rPr lang="en-US" sz="1400" b="0" i="1" smtClean="0">
                                   <a:solidFill>
                                     <a:prstClr val="black"/>
                                   </a:solidFill>
@@ -26484,7 +26556,7 @@
                             </m:sub>
                             <m:sup>
                               <m:r>
-                                <a:rPr lang="en-US" sz="1600" b="0" i="1" smtClean="0">
+                                <a:rPr lang="en-US" sz="1400" b="0" i="1" smtClean="0">
                                   <a:solidFill>
                                     <a:prstClr val="black"/>
                                   </a:solidFill>
@@ -26497,7 +26569,7 @@
                               <m:d>
                                 <m:dPr>
                                   <m:ctrlPr>
-                                    <a:rPr lang="en-US" sz="1600" i="1">
+                                    <a:rPr lang="en-US" sz="1400" i="1">
                                       <a:solidFill>
                                         <a:prstClr val="black"/>
                                       </a:solidFill>
@@ -26507,18 +26579,27 @@
                                 </m:dPr>
                                 <m:e>
                                   <m:r>
-                                    <a:rPr lang="en-US" sz="1600" i="1">
+                                    <a:rPr lang="en-US" sz="1400" i="1" smtClean="0">
                                       <a:solidFill>
                                         <a:prstClr val="black"/>
                                       </a:solidFill>
                                       <a:latin typeface="Cambria Math" panose="02040503050406030204" pitchFamily="18" charset="0"/>
                                     </a:rPr>
-                                    <m:t>1+</m:t>
+                                    <m:t>1</m:t>
+                                  </m:r>
+                                  <m:r>
+                                    <a:rPr lang="en-US" sz="1400" i="1">
+                                      <a:solidFill>
+                                        <a:prstClr val="black"/>
+                                      </a:solidFill>
+                                      <a:latin typeface="Cambria Math" panose="02040503050406030204" pitchFamily="18" charset="0"/>
+                                    </a:rPr>
+                                    <m:t>+</m:t>
                                   </m:r>
                                   <m:sSub>
                                     <m:sSubPr>
                                       <m:ctrlPr>
-                                        <a:rPr lang="en-US" sz="1600" i="1">
+                                        <a:rPr lang="en-US" sz="1400" i="1">
                                           <a:solidFill>
                                             <a:prstClr val="black"/>
                                           </a:solidFill>
@@ -26528,7 +26609,7 @@
                                     </m:sSubPr>
                                     <m:e>
                                       <m:r>
-                                        <a:rPr lang="en-US" sz="1600" i="1">
+                                        <a:rPr lang="en-US" sz="1400" i="1">
                                           <a:solidFill>
                                             <a:prstClr val="black"/>
                                           </a:solidFill>
@@ -26539,7 +26620,7 @@
                                     </m:e>
                                     <m:sub>
                                       <m:r>
-                                        <a:rPr lang="en-US" sz="1600" i="1">
+                                        <a:rPr lang="en-US" sz="1400" i="1">
                                           <a:solidFill>
                                             <a:prstClr val="black"/>
                                           </a:solidFill>
@@ -26552,7 +26633,7 @@
                                   <m:sSubSup>
                                     <m:sSubSupPr>
                                       <m:ctrlPr>
-                                        <a:rPr lang="en-US" sz="1600" i="1">
+                                        <a:rPr lang="en-US" sz="1400" i="1">
                                           <a:solidFill>
                                             <a:prstClr val="black"/>
                                           </a:solidFill>
@@ -26562,7 +26643,7 @@
                                     </m:sSubSupPr>
                                     <m:e>
                                       <m:r>
-                                        <a:rPr lang="en-US" sz="1600" i="1">
+                                        <a:rPr lang="en-US" sz="1400" i="1">
                                           <a:solidFill>
                                             <a:prstClr val="black"/>
                                           </a:solidFill>
@@ -26573,7 +26654,7 @@
                                     </m:e>
                                     <m:sub>
                                       <m:r>
-                                        <a:rPr lang="en-US" sz="1600" i="1">
+                                        <a:rPr lang="en-US" sz="1400" i="1">
                                           <a:solidFill>
                                             <a:prstClr val="black"/>
                                           </a:solidFill>
@@ -26584,7 +26665,7 @@
                                     </m:sub>
                                     <m:sup>
                                       <m:r>
-                                        <a:rPr lang="en-US" sz="1600" i="1">
+                                        <a:rPr lang="en-US" sz="1400" i="1">
                                           <a:solidFill>
                                             <a:prstClr val="black"/>
                                           </a:solidFill>
@@ -26595,7 +26676,7 @@
                                     </m:sup>
                                   </m:sSubSup>
                                   <m:r>
-                                    <a:rPr lang="en-US" sz="1600" i="1">
+                                    <a:rPr lang="en-US" sz="1400" i="1">
                                       <a:solidFill>
                                         <a:prstClr val="black"/>
                                       </a:solidFill>
@@ -26606,7 +26687,7 @@
                                   <m:sSub>
                                     <m:sSubPr>
                                       <m:ctrlPr>
-                                        <a:rPr lang="en-US" sz="1600" i="1">
+                                        <a:rPr lang="en-US" sz="1400" i="1">
                                           <a:solidFill>
                                             <a:prstClr val="black"/>
                                           </a:solidFill>
@@ -26616,7 +26697,7 @@
                                     </m:sSubPr>
                                     <m:e>
                                       <m:r>
-                                        <a:rPr lang="en-US" sz="1600" i="1">
+                                        <a:rPr lang="en-US" sz="1400" i="1">
                                           <a:solidFill>
                                             <a:prstClr val="black"/>
                                           </a:solidFill>
@@ -26627,7 +26708,7 @@
                                     </m:e>
                                     <m:sub>
                                       <m:r>
-                                        <a:rPr lang="en-US" sz="1600" b="0" i="1" smtClean="0">
+                                        <a:rPr lang="en-US" sz="1400" b="0" i="1" smtClean="0">
                                           <a:solidFill>
                                             <a:prstClr val="black"/>
                                           </a:solidFill>
@@ -26640,7 +26721,7 @@
                                   <m:sSubSup>
                                     <m:sSubSupPr>
                                       <m:ctrlPr>
-                                        <a:rPr lang="en-US" sz="1600" i="1">
+                                        <a:rPr lang="en-US" sz="1400" i="1">
                                           <a:solidFill>
                                             <a:prstClr val="black"/>
                                           </a:solidFill>
@@ -26650,7 +26731,7 @@
                                     </m:sSubSupPr>
                                     <m:e>
                                       <m:r>
-                                        <a:rPr lang="en-US" sz="1600" i="1">
+                                        <a:rPr lang="en-US" sz="1400" i="1">
                                           <a:solidFill>
                                             <a:prstClr val="black"/>
                                           </a:solidFill>
@@ -26661,7 +26742,7 @@
                                     </m:e>
                                     <m:sub>
                                       <m:r>
-                                        <a:rPr lang="en-US" sz="1600" b="0" i="1" smtClean="0">
+                                        <a:rPr lang="en-US" sz="1400" b="0" i="1" smtClean="0">
                                           <a:solidFill>
                                             <a:prstClr val="black"/>
                                           </a:solidFill>
@@ -26672,7 +26753,7 @@
                                     </m:sub>
                                     <m:sup>
                                       <m:r>
-                                        <a:rPr lang="en-US" sz="1600" b="0" i="1" smtClean="0">
+                                        <a:rPr lang="en-US" sz="1400" b="0" i="1" smtClean="0">
                                           <a:solidFill>
                                             <a:prstClr val="black"/>
                                           </a:solidFill>
@@ -26683,7 +26764,7 @@
                                     </m:sup>
                                   </m:sSubSup>
                                   <m:r>
-                                    <a:rPr lang="en-US" sz="1600" i="1">
+                                    <a:rPr lang="en-US" sz="1400" i="1">
                                       <a:solidFill>
                                         <a:prstClr val="black"/>
                                       </a:solidFill>
@@ -26694,7 +26775,7 @@
                                   <m:sSub>
                                     <m:sSubPr>
                                       <m:ctrlPr>
-                                        <a:rPr lang="en-US" sz="1600" i="1">
+                                        <a:rPr lang="en-US" sz="1400" i="1">
                                           <a:solidFill>
                                             <a:prstClr val="black"/>
                                           </a:solidFill>
@@ -26704,7 +26785,7 @@
                                     </m:sSubPr>
                                     <m:e>
                                       <m:r>
-                                        <a:rPr lang="en-US" sz="1600" i="1">
+                                        <a:rPr lang="en-US" sz="1400" i="1">
                                           <a:solidFill>
                                             <a:prstClr val="black"/>
                                           </a:solidFill>
@@ -26715,7 +26796,7 @@
                                     </m:e>
                                     <m:sub>
                                       <m:r>
-                                        <a:rPr lang="en-US" sz="1600" i="1">
+                                        <a:rPr lang="en-US" sz="1400" i="1">
                                           <a:solidFill>
                                             <a:prstClr val="black"/>
                                           </a:solidFill>
@@ -26724,7 +26805,7 @@
                                         <m:t>𝑖</m:t>
                                       </m:r>
                                       <m:r>
-                                        <a:rPr lang="en-US" sz="1600" b="0" i="1" smtClean="0">
+                                        <a:rPr lang="en-US" sz="1400" b="0" i="1" smtClean="0">
                                           <a:solidFill>
                                             <a:prstClr val="black"/>
                                           </a:solidFill>
@@ -26737,7 +26818,7 @@
                                   <m:sSubSup>
                                     <m:sSubSupPr>
                                       <m:ctrlPr>
-                                        <a:rPr lang="en-US" sz="1600" i="1">
+                                        <a:rPr lang="en-US" sz="1400" i="1">
                                           <a:solidFill>
                                             <a:prstClr val="black"/>
                                           </a:solidFill>
@@ -26747,7 +26828,7 @@
                                     </m:sSubSupPr>
                                     <m:e>
                                       <m:r>
-                                        <a:rPr lang="en-US" sz="1600" i="1">
+                                        <a:rPr lang="en-US" sz="1400" i="1">
                                           <a:solidFill>
                                             <a:prstClr val="black"/>
                                           </a:solidFill>
@@ -26758,7 +26839,7 @@
                                     </m:e>
                                     <m:sub>
                                       <m:r>
-                                        <a:rPr lang="en-US" sz="1600" i="1">
+                                        <a:rPr lang="en-US" sz="1400" i="1">
                                           <a:solidFill>
                                             <a:prstClr val="black"/>
                                           </a:solidFill>
@@ -26769,7 +26850,7 @@
                                     </m:sub>
                                     <m:sup>
                                       <m:r>
-                                        <a:rPr lang="en-US" sz="1600" i="1">
+                                        <a:rPr lang="en-US" sz="1400" i="1">
                                           <a:solidFill>
                                             <a:prstClr val="black"/>
                                           </a:solidFill>
@@ -26782,7 +26863,7 @@
                                   <m:sSubSup>
                                     <m:sSubSupPr>
                                       <m:ctrlPr>
-                                        <a:rPr lang="en-US" sz="1600" i="1">
+                                        <a:rPr lang="en-US" sz="1400" i="1">
                                           <a:solidFill>
                                             <a:prstClr val="black"/>
                                           </a:solidFill>
@@ -26792,7 +26873,7 @@
                                     </m:sSubSupPr>
                                     <m:e>
                                       <m:r>
-                                        <a:rPr lang="en-US" sz="1600" i="1">
+                                        <a:rPr lang="en-US" sz="1400" i="1">
                                           <a:solidFill>
                                             <a:prstClr val="black"/>
                                           </a:solidFill>
@@ -26803,7 +26884,7 @@
                                     </m:e>
                                     <m:sub>
                                       <m:r>
-                                        <a:rPr lang="en-US" sz="1600" b="0" i="1" smtClean="0">
+                                        <a:rPr lang="en-US" sz="1400" b="0" i="1" smtClean="0">
                                           <a:solidFill>
                                             <a:prstClr val="black"/>
                                           </a:solidFill>
@@ -26814,7 +26895,7 @@
                                     </m:sub>
                                     <m:sup>
                                       <m:r>
-                                        <a:rPr lang="en-US" sz="1600" b="0" i="1" smtClean="0">
+                                        <a:rPr lang="en-US" sz="1400" b="0" i="1" smtClean="0">
                                           <a:solidFill>
                                             <a:prstClr val="black"/>
                                           </a:solidFill>
@@ -26826,297 +26907,320 @@
                                   </m:sSubSup>
                                 </m:e>
                               </m:d>
-                              <m:r>
-                                <a:rPr lang="en-US" sz="1600" i="1">
-                                  <a:solidFill>
-                                    <a:prstClr val="black"/>
-                                  </a:solidFill>
-                                  <a:latin typeface="Cambria Math" panose="02040503050406030204" pitchFamily="18" charset="0"/>
-                                </a:rPr>
-                                <m:t>(1+</m:t>
-                              </m:r>
-                              <m:sSub>
-                                <m:sSubPr>
+                              <m:d>
+                                <m:dPr>
                                   <m:ctrlPr>
-                                    <a:rPr lang="en-US" sz="1600" i="1">
+                                    <a:rPr lang="en-US" sz="1400" b="0" i="1">
                                       <a:solidFill>
                                         <a:prstClr val="black"/>
                                       </a:solidFill>
                                       <a:latin typeface="Cambria Math" panose="02040503050406030204" pitchFamily="18" charset="0"/>
                                     </a:rPr>
                                   </m:ctrlPr>
-                                </m:sSubPr>
+                                </m:dPr>
                                 <m:e>
                                   <m:r>
-                                    <a:rPr lang="en-US" sz="1600" i="1">
+                                    <a:rPr lang="en-US" sz="1400" b="0" i="1" smtClean="0">
                                       <a:solidFill>
                                         <a:prstClr val="black"/>
                                       </a:solidFill>
                                       <a:latin typeface="Cambria Math" panose="02040503050406030204" pitchFamily="18" charset="0"/>
                                     </a:rPr>
-                                    <m:t>𝑑</m:t>
+                                    <m:t>1</m:t>
                                   </m:r>
-                                </m:e>
-                                <m:sub>
                                   <m:r>
-                                    <a:rPr lang="en-US" sz="1600" i="1">
+                                    <a:rPr lang="en-US" sz="1400" i="1">
                                       <a:solidFill>
                                         <a:prstClr val="black"/>
                                       </a:solidFill>
                                       <a:latin typeface="Cambria Math" panose="02040503050406030204" pitchFamily="18" charset="0"/>
                                     </a:rPr>
-                                    <m:t>𝑖</m:t>
+                                    <m:t>+</m:t>
                                   </m:r>
-                                </m:sub>
-                              </m:sSub>
-                              <m:sSub>
-                                <m:sSubPr>
-                                  <m:ctrlPr>
-                                    <a:rPr lang="en-US" sz="1600" i="1">
+                                  <m:sSub>
+                                    <m:sSubPr>
+                                      <m:ctrlPr>
+                                        <a:rPr lang="en-US" sz="1400" i="1">
+                                          <a:solidFill>
+                                            <a:prstClr val="black"/>
+                                          </a:solidFill>
+                                          <a:latin typeface="Cambria Math" panose="02040503050406030204" pitchFamily="18" charset="0"/>
+                                        </a:rPr>
+                                      </m:ctrlPr>
+                                    </m:sSubPr>
+                                    <m:e>
+                                      <m:r>
+                                        <a:rPr lang="en-US" sz="1400" i="1">
+                                          <a:solidFill>
+                                            <a:prstClr val="black"/>
+                                          </a:solidFill>
+                                          <a:latin typeface="Cambria Math" panose="02040503050406030204" pitchFamily="18" charset="0"/>
+                                        </a:rPr>
+                                        <m:t>𝑑</m:t>
+                                      </m:r>
+                                    </m:e>
+                                    <m:sub>
+                                      <m:r>
+                                        <a:rPr lang="en-US" sz="1400" i="1">
+                                          <a:solidFill>
+                                            <a:prstClr val="black"/>
+                                          </a:solidFill>
+                                          <a:latin typeface="Cambria Math" panose="02040503050406030204" pitchFamily="18" charset="0"/>
+                                        </a:rPr>
+                                        <m:t>𝑖</m:t>
+                                      </m:r>
+                                    </m:sub>
+                                  </m:sSub>
+                                  <m:sSub>
+                                    <m:sSubPr>
+                                      <m:ctrlPr>
+                                        <a:rPr lang="en-US" sz="1400" i="1">
+                                          <a:solidFill>
+                                            <a:prstClr val="black"/>
+                                          </a:solidFill>
+                                          <a:latin typeface="Cambria Math" panose="02040503050406030204" pitchFamily="18" charset="0"/>
+                                        </a:rPr>
+                                      </m:ctrlPr>
+                                    </m:sSubPr>
+                                    <m:e>
+                                      <m:r>
+                                        <a:rPr lang="en-US" sz="1400" i="1">
+                                          <a:solidFill>
+                                            <a:prstClr val="black"/>
+                                          </a:solidFill>
+                                          <a:latin typeface="Cambria Math" panose="02040503050406030204" pitchFamily="18" charset="0"/>
+                                        </a:rPr>
+                                        <m:t>𝑇𝐷</m:t>
+                                      </m:r>
+                                    </m:e>
+                                    <m:sub>
+                                      <m:r>
+                                        <a:rPr lang="en-US" sz="1400" i="1">
+                                          <a:solidFill>
+                                            <a:prstClr val="black"/>
+                                          </a:solidFill>
+                                          <a:latin typeface="Cambria Math" panose="02040503050406030204" pitchFamily="18" charset="0"/>
+                                        </a:rPr>
+                                        <m:t>𝐼</m:t>
+                                      </m:r>
+                                    </m:sub>
+                                  </m:sSub>
+                                  <m:r>
+                                    <a:rPr lang="en-US" sz="1400" i="1">
                                       <a:solidFill>
                                         <a:prstClr val="black"/>
                                       </a:solidFill>
                                       <a:latin typeface="Cambria Math" panose="02040503050406030204" pitchFamily="18" charset="0"/>
                                     </a:rPr>
-                                  </m:ctrlPr>
-                                </m:sSubPr>
-                                <m:e>
+                                    <m:t>+</m:t>
+                                  </m:r>
+                                  <m:sSub>
+                                    <m:sSubPr>
+                                      <m:ctrlPr>
+                                        <a:rPr lang="en-US" sz="1400" i="1">
+                                          <a:solidFill>
+                                            <a:prstClr val="black"/>
+                                          </a:solidFill>
+                                          <a:latin typeface="Cambria Math" panose="02040503050406030204" pitchFamily="18" charset="0"/>
+                                        </a:rPr>
+                                      </m:ctrlPr>
+                                    </m:sSubPr>
+                                    <m:e>
+                                      <m:r>
+                                        <a:rPr lang="en-US" sz="1400" i="1">
+                                          <a:solidFill>
+                                            <a:prstClr val="black"/>
+                                          </a:solidFill>
+                                          <a:latin typeface="Cambria Math" panose="02040503050406030204" pitchFamily="18" charset="0"/>
+                                        </a:rPr>
+                                        <m:t>𝑒</m:t>
+                                      </m:r>
+                                    </m:e>
+                                    <m:sub>
+                                      <m:r>
+                                        <a:rPr lang="en-US" sz="1400" i="1">
+                                          <a:solidFill>
+                                            <a:prstClr val="black"/>
+                                          </a:solidFill>
+                                          <a:latin typeface="Cambria Math" panose="02040503050406030204" pitchFamily="18" charset="0"/>
+                                        </a:rPr>
+                                        <m:t>𝑖</m:t>
+                                      </m:r>
+                                    </m:sub>
+                                  </m:sSub>
+                                  <m:sSub>
+                                    <m:sSubPr>
+                                      <m:ctrlPr>
+                                        <a:rPr lang="en-US" sz="1400" i="1">
+                                          <a:solidFill>
+                                            <a:prstClr val="black"/>
+                                          </a:solidFill>
+                                          <a:latin typeface="Cambria Math" panose="02040503050406030204" pitchFamily="18" charset="0"/>
+                                        </a:rPr>
+                                      </m:ctrlPr>
+                                    </m:sSubPr>
+                                    <m:e>
+                                      <m:r>
+                                        <a:rPr lang="en-US" sz="1400" i="1">
+                                          <a:solidFill>
+                                            <a:prstClr val="black"/>
+                                          </a:solidFill>
+                                          <a:latin typeface="Cambria Math" panose="02040503050406030204" pitchFamily="18" charset="0"/>
+                                        </a:rPr>
+                                        <m:t>𝐻𝑅</m:t>
+                                      </m:r>
+                                    </m:e>
+                                    <m:sub>
+                                      <m:r>
+                                        <a:rPr lang="en-US" sz="1400" i="1">
+                                          <a:solidFill>
+                                            <a:prstClr val="black"/>
+                                          </a:solidFill>
+                                          <a:latin typeface="Cambria Math" panose="02040503050406030204" pitchFamily="18" charset="0"/>
+                                        </a:rPr>
+                                        <m:t>𝐼𝐼</m:t>
+                                      </m:r>
+                                    </m:sub>
+                                  </m:sSub>
                                   <m:r>
-                                    <a:rPr lang="en-US" sz="1600" i="1">
+                                    <a:rPr lang="en-US" sz="1400" i="1">
                                       <a:solidFill>
                                         <a:prstClr val="black"/>
                                       </a:solidFill>
                                       <a:latin typeface="Cambria Math" panose="02040503050406030204" pitchFamily="18" charset="0"/>
                                     </a:rPr>
-                                    <m:t>𝑇𝐷</m:t>
+                                    <m:t>+</m:t>
                                   </m:r>
-                                </m:e>
-                                <m:sub>
+                                  <m:sSub>
+                                    <m:sSubPr>
+                                      <m:ctrlPr>
+                                        <a:rPr lang="en-US" sz="1400" i="1">
+                                          <a:solidFill>
+                                            <a:prstClr val="black"/>
+                                          </a:solidFill>
+                                          <a:latin typeface="Cambria Math" panose="02040503050406030204" pitchFamily="18" charset="0"/>
+                                        </a:rPr>
+                                      </m:ctrlPr>
+                                    </m:sSubPr>
+                                    <m:e>
+                                      <m:r>
+                                        <a:rPr lang="en-US" sz="1400" i="1">
+                                          <a:solidFill>
+                                            <a:prstClr val="black"/>
+                                          </a:solidFill>
+                                          <a:latin typeface="Cambria Math" panose="02040503050406030204" pitchFamily="18" charset="0"/>
+                                        </a:rPr>
+                                        <m:t>𝑓</m:t>
+                                      </m:r>
+                                    </m:e>
+                                    <m:sub>
+                                      <m:r>
+                                        <a:rPr lang="en-US" sz="1400" i="1">
+                                          <a:solidFill>
+                                            <a:prstClr val="black"/>
+                                          </a:solidFill>
+                                          <a:latin typeface="Cambria Math" panose="02040503050406030204" pitchFamily="18" charset="0"/>
+                                        </a:rPr>
+                                        <m:t>𝑖</m:t>
+                                      </m:r>
+                                    </m:sub>
+                                  </m:sSub>
+                                  <m:sSub>
+                                    <m:sSubPr>
+                                      <m:ctrlPr>
+                                        <a:rPr lang="en-US" sz="1400" i="1">
+                                          <a:solidFill>
+                                            <a:prstClr val="black"/>
+                                          </a:solidFill>
+                                          <a:latin typeface="Cambria Math" panose="02040503050406030204" pitchFamily="18" charset="0"/>
+                                        </a:rPr>
+                                      </m:ctrlPr>
+                                    </m:sSubPr>
+                                    <m:e>
+                                      <m:r>
+                                        <a:rPr lang="en-US" sz="1400" i="1">
+                                          <a:solidFill>
+                                            <a:prstClr val="black"/>
+                                          </a:solidFill>
+                                          <a:latin typeface="Cambria Math" panose="02040503050406030204" pitchFamily="18" charset="0"/>
+                                        </a:rPr>
+                                        <m:t>𝑇𝐷</m:t>
+                                      </m:r>
+                                    </m:e>
+                                    <m:sub>
+                                      <m:r>
+                                        <a:rPr lang="en-US" sz="1400" i="1">
+                                          <a:solidFill>
+                                            <a:prstClr val="black"/>
+                                          </a:solidFill>
+                                          <a:latin typeface="Cambria Math" panose="02040503050406030204" pitchFamily="18" charset="0"/>
+                                        </a:rPr>
+                                        <m:t>𝐼𝐼</m:t>
+                                      </m:r>
+                                    </m:sub>
+                                  </m:sSub>
                                   <m:r>
-                                    <a:rPr lang="en-US" sz="1600" i="1">
+                                    <a:rPr lang="en-US" sz="1400" i="1">
                                       <a:solidFill>
                                         <a:prstClr val="black"/>
                                       </a:solidFill>
                                       <a:latin typeface="Cambria Math" panose="02040503050406030204" pitchFamily="18" charset="0"/>
                                     </a:rPr>
-                                    <m:t>𝐼</m:t>
+                                    <m:t>+</m:t>
                                   </m:r>
-                                </m:sub>
-                              </m:sSub>
+                                  <m:sSub>
+                                    <m:sSubPr>
+                                      <m:ctrlPr>
+                                        <a:rPr lang="en-US" sz="1400" i="1">
+                                          <a:solidFill>
+                                            <a:prstClr val="black"/>
+                                          </a:solidFill>
+                                          <a:latin typeface="Cambria Math" panose="02040503050406030204" pitchFamily="18" charset="0"/>
+                                        </a:rPr>
+                                      </m:ctrlPr>
+                                    </m:sSubPr>
+                                    <m:e>
+                                      <m:r>
+                                        <a:rPr lang="en-US" sz="1400" i="1">
+                                          <a:solidFill>
+                                            <a:prstClr val="black"/>
+                                          </a:solidFill>
+                                          <a:latin typeface="Cambria Math" panose="02040503050406030204" pitchFamily="18" charset="0"/>
+                                        </a:rPr>
+                                        <m:t>𝑔</m:t>
+                                      </m:r>
+                                    </m:e>
+                                    <m:sub>
+                                      <m:r>
+                                        <a:rPr lang="en-US" sz="1400" i="1">
+                                          <a:solidFill>
+                                            <a:prstClr val="black"/>
+                                          </a:solidFill>
+                                          <a:latin typeface="Cambria Math" panose="02040503050406030204" pitchFamily="18" charset="0"/>
+                                        </a:rPr>
+                                        <m:t>𝑖</m:t>
+                                      </m:r>
+                                    </m:sub>
+                                  </m:sSub>
+                                  <m:r>
+                                    <a:rPr lang="en-US" sz="1400" i="1">
+                                      <a:solidFill>
+                                        <a:prstClr val="black"/>
+                                      </a:solidFill>
+                                      <a:latin typeface="Cambria Math" panose="02040503050406030204" pitchFamily="18" charset="0"/>
+                                    </a:rPr>
+                                    <m:t>𝑇</m:t>
+                                  </m:r>
+                                </m:e>
+                              </m:d>
                               <m:r>
-                                <a:rPr lang="en-US" sz="1600" i="1">
+                                <a:rPr lang="en-US" sz="1400" b="0" i="1" smtClean="0">
                                   <a:solidFill>
                                     <a:prstClr val="black"/>
                                   </a:solidFill>
                                   <a:latin typeface="Cambria Math" panose="02040503050406030204" pitchFamily="18" charset="0"/>
                                 </a:rPr>
-                                <m:t>+</m:t>
-                              </m:r>
-                              <m:sSub>
-                                <m:sSubPr>
-                                  <m:ctrlPr>
-                                    <a:rPr lang="en-US" sz="1600" i="1">
-                                      <a:solidFill>
-                                        <a:prstClr val="black"/>
-                                      </a:solidFill>
-                                      <a:latin typeface="Cambria Math" panose="02040503050406030204" pitchFamily="18" charset="0"/>
-                                    </a:rPr>
-                                  </m:ctrlPr>
-                                </m:sSubPr>
-                                <m:e>
-                                  <m:r>
-                                    <a:rPr lang="en-US" sz="1600" i="1">
-                                      <a:solidFill>
-                                        <a:prstClr val="black"/>
-                                      </a:solidFill>
-                                      <a:latin typeface="Cambria Math" panose="02040503050406030204" pitchFamily="18" charset="0"/>
-                                    </a:rPr>
-                                    <m:t>𝑒</m:t>
-                                  </m:r>
-                                </m:e>
-                                <m:sub>
-                                  <m:r>
-                                    <a:rPr lang="en-US" sz="1600" i="1">
-                                      <a:solidFill>
-                                        <a:prstClr val="black"/>
-                                      </a:solidFill>
-                                      <a:latin typeface="Cambria Math" panose="02040503050406030204" pitchFamily="18" charset="0"/>
-                                    </a:rPr>
-                                    <m:t>𝑖</m:t>
-                                  </m:r>
-                                </m:sub>
-                              </m:sSub>
-                              <m:sSub>
-                                <m:sSubPr>
-                                  <m:ctrlPr>
-                                    <a:rPr lang="en-US" sz="1600" i="1">
-                                      <a:solidFill>
-                                        <a:prstClr val="black"/>
-                                      </a:solidFill>
-                                      <a:latin typeface="Cambria Math" panose="02040503050406030204" pitchFamily="18" charset="0"/>
-                                    </a:rPr>
-                                  </m:ctrlPr>
-                                </m:sSubPr>
-                                <m:e>
-                                  <m:r>
-                                    <a:rPr lang="en-US" sz="1600" i="1">
-                                      <a:solidFill>
-                                        <a:prstClr val="black"/>
-                                      </a:solidFill>
-                                      <a:latin typeface="Cambria Math" panose="02040503050406030204" pitchFamily="18" charset="0"/>
-                                    </a:rPr>
-                                    <m:t>𝐻𝑅</m:t>
-                                  </m:r>
-                                </m:e>
-                                <m:sub>
-                                  <m:r>
-                                    <a:rPr lang="en-US" sz="1600" i="1">
-                                      <a:solidFill>
-                                        <a:prstClr val="black"/>
-                                      </a:solidFill>
-                                      <a:latin typeface="Cambria Math" panose="02040503050406030204" pitchFamily="18" charset="0"/>
-                                    </a:rPr>
-                                    <m:t>𝐼𝐼</m:t>
-                                  </m:r>
-                                </m:sub>
-                              </m:sSub>
-                              <m:r>
-                                <a:rPr lang="en-US" sz="1600" i="1">
-                                  <a:solidFill>
-                                    <a:prstClr val="black"/>
-                                  </a:solidFill>
-                                  <a:latin typeface="Cambria Math" panose="02040503050406030204" pitchFamily="18" charset="0"/>
-                                </a:rPr>
-                                <m:t>+</m:t>
-                              </m:r>
-                              <m:sSub>
-                                <m:sSubPr>
-                                  <m:ctrlPr>
-                                    <a:rPr lang="en-US" sz="1600" i="1">
-                                      <a:solidFill>
-                                        <a:prstClr val="black"/>
-                                      </a:solidFill>
-                                      <a:latin typeface="Cambria Math" panose="02040503050406030204" pitchFamily="18" charset="0"/>
-                                    </a:rPr>
-                                  </m:ctrlPr>
-                                </m:sSubPr>
-                                <m:e>
-                                  <m:r>
-                                    <a:rPr lang="en-US" sz="1600" i="1">
-                                      <a:solidFill>
-                                        <a:prstClr val="black"/>
-                                      </a:solidFill>
-                                      <a:latin typeface="Cambria Math" panose="02040503050406030204" pitchFamily="18" charset="0"/>
-                                    </a:rPr>
-                                    <m:t>𝑓</m:t>
-                                  </m:r>
-                                </m:e>
-                                <m:sub>
-                                  <m:r>
-                                    <a:rPr lang="en-US" sz="1600" i="1">
-                                      <a:solidFill>
-                                        <a:prstClr val="black"/>
-                                      </a:solidFill>
-                                      <a:latin typeface="Cambria Math" panose="02040503050406030204" pitchFamily="18" charset="0"/>
-                                    </a:rPr>
-                                    <m:t>𝑖</m:t>
-                                  </m:r>
-                                </m:sub>
-                              </m:sSub>
-                              <m:sSub>
-                                <m:sSubPr>
-                                  <m:ctrlPr>
-                                    <a:rPr lang="en-US" sz="1600" i="1">
-                                      <a:solidFill>
-                                        <a:prstClr val="black"/>
-                                      </a:solidFill>
-                                      <a:latin typeface="Cambria Math" panose="02040503050406030204" pitchFamily="18" charset="0"/>
-                                    </a:rPr>
-                                  </m:ctrlPr>
-                                </m:sSubPr>
-                                <m:e>
-                                  <m:r>
-                                    <a:rPr lang="en-US" sz="1600" i="1">
-                                      <a:solidFill>
-                                        <a:prstClr val="black"/>
-                                      </a:solidFill>
-                                      <a:latin typeface="Cambria Math" panose="02040503050406030204" pitchFamily="18" charset="0"/>
-                                    </a:rPr>
-                                    <m:t>𝑇𝐷</m:t>
-                                  </m:r>
-                                </m:e>
-                                <m:sub>
-                                  <m:r>
-                                    <a:rPr lang="en-US" sz="1600" i="1">
-                                      <a:solidFill>
-                                        <a:prstClr val="black"/>
-                                      </a:solidFill>
-                                      <a:latin typeface="Cambria Math" panose="02040503050406030204" pitchFamily="18" charset="0"/>
-                                    </a:rPr>
-                                    <m:t>𝐼𝐼</m:t>
-                                  </m:r>
-                                </m:sub>
-                              </m:sSub>
-                              <m:r>
-                                <a:rPr lang="en-US" sz="1600" i="1">
-                                  <a:solidFill>
-                                    <a:prstClr val="black"/>
-                                  </a:solidFill>
-                                  <a:latin typeface="Cambria Math" panose="02040503050406030204" pitchFamily="18" charset="0"/>
-                                </a:rPr>
-                                <m:t>+</m:t>
-                              </m:r>
-                              <m:sSub>
-                                <m:sSubPr>
-                                  <m:ctrlPr>
-                                    <a:rPr lang="en-US" sz="1600" i="1">
-                                      <a:solidFill>
-                                        <a:prstClr val="black"/>
-                                      </a:solidFill>
-                                      <a:latin typeface="Cambria Math" panose="02040503050406030204" pitchFamily="18" charset="0"/>
-                                    </a:rPr>
-                                  </m:ctrlPr>
-                                </m:sSubPr>
-                                <m:e>
-                                  <m:r>
-                                    <a:rPr lang="en-US" sz="1600" i="1">
-                                      <a:solidFill>
-                                        <a:prstClr val="black"/>
-                                      </a:solidFill>
-                                      <a:latin typeface="Cambria Math" panose="02040503050406030204" pitchFamily="18" charset="0"/>
-                                    </a:rPr>
-                                    <m:t>𝑔</m:t>
-                                  </m:r>
-                                </m:e>
-                                <m:sub>
-                                  <m:r>
-                                    <a:rPr lang="en-US" sz="1600" i="1">
-                                      <a:solidFill>
-                                        <a:prstClr val="black"/>
-                                      </a:solidFill>
-                                      <a:latin typeface="Cambria Math" panose="02040503050406030204" pitchFamily="18" charset="0"/>
-                                    </a:rPr>
-                                    <m:t>𝑖</m:t>
-                                  </m:r>
-                                </m:sub>
-                              </m:sSub>
-                              <m:r>
-                                <a:rPr lang="en-US" sz="1600" i="1">
-                                  <a:solidFill>
-                                    <a:prstClr val="black"/>
-                                  </a:solidFill>
-                                  <a:latin typeface="Cambria Math" panose="02040503050406030204" pitchFamily="18" charset="0"/>
-                                </a:rPr>
-                                <m:t>𝑇</m:t>
-                              </m:r>
-                              <m:r>
-                                <a:rPr lang="en-US" sz="1600" b="0" i="1" smtClean="0">
-                                  <a:solidFill>
-                                    <a:prstClr val="black"/>
-                                  </a:solidFill>
-                                  <a:latin typeface="Cambria Math" panose="02040503050406030204" pitchFamily="18" charset="0"/>
-                                </a:rPr>
-                                <m:t>)</m:t>
+                                <m:t>−1</m:t>
                               </m:r>
                             </m:e>
                           </m:nary>
@@ -27125,7 +27229,7 @@
                     </m:oMath>
                   </m:oMathPara>
                 </a14:m>
-                <a:endParaRPr lang="en-US" sz="1600" dirty="0">
+                <a:endParaRPr lang="en-US" sz="1400" dirty="0">
                   <a:solidFill>
                     <a:prstClr val="black"/>
                   </a:solidFill>
@@ -27152,8 +27256,8 @@
             </p:nvSpPr>
             <p:spPr>
               <a:xfrm>
-                <a:off x="5737476" y="5597701"/>
-                <a:ext cx="6829242" cy="723596"/>
+                <a:off x="5791200" y="5613272"/>
+                <a:ext cx="6242415" cy="633122"/>
               </a:xfrm>
               <a:prstGeom prst="rect">
                 <a:avLst/>
@@ -27194,7 +27298,7 @@
         </p:nvSpPr>
         <p:spPr>
           <a:xfrm>
-            <a:off x="707043" y="6408734"/>
+            <a:off x="635588" y="6408735"/>
             <a:ext cx="10574168" cy="369332"/>
           </a:xfrm>
           <a:prstGeom prst="rect">
@@ -35926,27 +36030,6 @@
 </file>
 
 <file path=customXml/item2.xml><?xml version="1.0" encoding="utf-8"?>
-<?mso-contentType ?>
-<FormTemplates xmlns="http://schemas.microsoft.com/sharepoint/v3/contenttype/forms">
-  <Display>DocumentLibraryForm</Display>
-  <Edit>DocumentLibraryForm</Edit>
-  <New>DocumentLibraryForm</New>
-</FormTemplates>
-</file>
-
-<file path=customXml/item3.xml><?xml version="1.0" encoding="utf-8"?>
-<p:properties xmlns:p="http://schemas.microsoft.com/office/2006/metadata/properties" xmlns:xsi="http://www.w3.org/2001/XMLSchema-instance">
-  <documentManagement/>
-</p:properties>
-</file>
-
-<file path=customXml/item4.xml><?xml version="1.0" encoding="utf-8"?>
-<Control xmlns="http://schemas.microsoft.com/VisualStudio/2011/storyboarding/control">
-  <Id Name="366cd925-969f-44e1-b789-354cb31b0dfd" RevisionId="87c5073a-f3d6-4c7e-a7b7-c9586eacad3b" Stencil="172d6d98-e5c9-42e9-a209-79f7a94bbd38" StencilRevisionId="00000000-0000-0000-0000-000000000000" StencilVersion="0.0"/>
-</Control>
-</file>
-
-<file path=customXml/item5.xml><?xml version="1.0" encoding="utf-8"?>
 <ct:contentTypeSchema xmlns:ct="http://schemas.microsoft.com/office/2006/metadata/contentType" xmlns:ma="http://schemas.microsoft.com/office/2006/metadata/properties/metaAttributes" ct:_="" ma:_="" ma:contentTypeName="Document" ma:contentTypeID="0x010100D477912D6DEE594C8AC8437BB563C3FD" ma:contentTypeVersion="4" ma:contentTypeDescription="Create a new document." ma:contentTypeScope="" ma:versionID="60a404a161f8319d6c5891cf63aa6aec">
   <xsd:schema xmlns:xsd="http://www.w3.org/2001/XMLSchema" xmlns:xs="http://www.w3.org/2001/XMLSchema" xmlns:p="http://schemas.microsoft.com/office/2006/metadata/properties" xmlns:ns2="20e8504f-497a-4885-9771-526351184060" targetNamespace="http://schemas.microsoft.com/office/2006/metadata/properties" ma:root="true" ma:fieldsID="a1573618a323179401883e6ed0238d04" ns2:_="">
     <xsd:import namespace="20e8504f-497a-4885-9771-526351184060"/>
@@ -36092,6 +36175,27 @@
 </ct:contentTypeSchema>
 </file>
 
+<file path=customXml/item3.xml><?xml version="1.0" encoding="utf-8"?>
+<Control xmlns="http://schemas.microsoft.com/VisualStudio/2011/storyboarding/control">
+  <Id Name="366cd925-969f-44e1-b789-354cb31b0dfd" RevisionId="87c5073a-f3d6-4c7e-a7b7-c9586eacad3b" Stencil="172d6d98-e5c9-42e9-a209-79f7a94bbd38" StencilRevisionId="00000000-0000-0000-0000-000000000000" StencilVersion="0.0"/>
+</Control>
+</file>
+
+<file path=customXml/item4.xml><?xml version="1.0" encoding="utf-8"?>
+<p:properties xmlns:p="http://schemas.microsoft.com/office/2006/metadata/properties" xmlns:xsi="http://www.w3.org/2001/XMLSchema-instance">
+  <documentManagement/>
+</p:properties>
+</file>
+
+<file path=customXml/item5.xml><?xml version="1.0" encoding="utf-8"?>
+<?mso-contentType ?>
+<FormTemplates xmlns="http://schemas.microsoft.com/sharepoint/v3/contenttype/forms">
+  <Display>DocumentLibraryForm</Display>
+  <Edit>DocumentLibraryForm</Edit>
+  <New>DocumentLibraryForm</New>
+</FormTemplates>
+</file>
+
 <file path=customXml/itemProps1.xml><?xml version="1.0" encoding="utf-8"?>
 <ds:datastoreItem xmlns:ds="http://schemas.openxmlformats.org/officeDocument/2006/customXml" ds:itemID="{53C0FBAB-45CC-44DE-AFAF-77DD3D7A606B}">
   <ds:schemaRefs>
@@ -36101,37 +36205,6 @@
 </file>
 
 <file path=customXml/itemProps2.xml><?xml version="1.0" encoding="utf-8"?>
-<ds:datastoreItem xmlns:ds="http://schemas.openxmlformats.org/officeDocument/2006/customXml" ds:itemID="{855703A6-E97E-43A4-9832-7249D257E27D}">
-  <ds:schemaRefs>
-    <ds:schemaRef ds:uri="http://schemas.microsoft.com/sharepoint/v3/contenttype/forms"/>
-  </ds:schemaRefs>
-</ds:datastoreItem>
-</file>
-
-<file path=customXml/itemProps3.xml><?xml version="1.0" encoding="utf-8"?>
-<ds:datastoreItem xmlns:ds="http://schemas.openxmlformats.org/officeDocument/2006/customXml" ds:itemID="{07CD457D-4694-4D12-BA63-983D84BFD14B}">
-  <ds:schemaRefs>
-    <ds:schemaRef ds:uri="http://schemas.microsoft.com/office/infopath/2007/PartnerControls"/>
-    <ds:schemaRef ds:uri="http://purl.org/dc/dcmitype/"/>
-    <ds:schemaRef ds:uri="http://schemas.microsoft.com/office/2006/documentManagement/types"/>
-    <ds:schemaRef ds:uri="http://schemas.openxmlformats.org/package/2006/metadata/core-properties"/>
-    <ds:schemaRef ds:uri="http://schemas.microsoft.com/office/2006/metadata/properties"/>
-    <ds:schemaRef ds:uri="http://www.w3.org/XML/1998/namespace"/>
-    <ds:schemaRef ds:uri="http://purl.org/dc/terms/"/>
-    <ds:schemaRef ds:uri="http://purl.org/dc/elements/1.1/"/>
-  </ds:schemaRefs>
-</ds:datastoreItem>
-</file>
-
-<file path=customXml/itemProps4.xml><?xml version="1.0" encoding="utf-8"?>
-<ds:datastoreItem xmlns:ds="http://schemas.openxmlformats.org/officeDocument/2006/customXml" ds:itemID="{DBACCEAD-B58D-41CC-8B2C-516EFE153735}">
-  <ds:schemaRefs>
-    <ds:schemaRef ds:uri="http://schemas.microsoft.com/VisualStudio/2011/storyboarding/control"/>
-  </ds:schemaRefs>
-</ds:datastoreItem>
-</file>
-
-<file path=customXml/itemProps5.xml><?xml version="1.0" encoding="utf-8"?>
 <ds:datastoreItem xmlns:ds="http://schemas.openxmlformats.org/officeDocument/2006/customXml" ds:itemID="{44E8167B-3980-4807-A7F6-DE4B1B596FA8}">
   <ds:schemaRefs>
     <ds:schemaRef ds:uri="http://schemas.microsoft.com/office/2006/metadata/contentType"/>
@@ -36147,4 +36220,35 @@
     <ds:schemaRef ds:uri="http://schemas.microsoft.com/internal/obd"/>
   </ds:schemaRefs>
 </ds:datastoreItem>
+</file>
+
+<file path=customXml/itemProps3.xml><?xml version="1.0" encoding="utf-8"?>
+<ds:datastoreItem xmlns:ds="http://schemas.openxmlformats.org/officeDocument/2006/customXml" ds:itemID="{DBACCEAD-B58D-41CC-8B2C-516EFE153735}">
+  <ds:schemaRefs>
+    <ds:schemaRef ds:uri="http://schemas.microsoft.com/VisualStudio/2011/storyboarding/control"/>
+  </ds:schemaRefs>
+</ds:datastoreItem>
+</file>
+
+<file path=customXml/itemProps4.xml><?xml version="1.0" encoding="utf-8"?>
+<ds:datastoreItem xmlns:ds="http://schemas.openxmlformats.org/officeDocument/2006/customXml" ds:itemID="{07CD457D-4694-4D12-BA63-983D84BFD14B}">
+  <ds:schemaRefs>
+    <ds:schemaRef ds:uri="http://schemas.microsoft.com/office/infopath/2007/PartnerControls"/>
+    <ds:schemaRef ds:uri="http://purl.org/dc/dcmitype/"/>
+    <ds:schemaRef ds:uri="http://schemas.microsoft.com/office/2006/documentManagement/types"/>
+    <ds:schemaRef ds:uri="http://schemas.openxmlformats.org/package/2006/metadata/core-properties"/>
+    <ds:schemaRef ds:uri="http://schemas.microsoft.com/office/2006/metadata/properties"/>
+    <ds:schemaRef ds:uri="http://www.w3.org/XML/1998/namespace"/>
+    <ds:schemaRef ds:uri="http://purl.org/dc/terms/"/>
+    <ds:schemaRef ds:uri="http://purl.org/dc/elements/1.1/"/>
+  </ds:schemaRefs>
+</ds:datastoreItem>
+</file>
+
+<file path=customXml/itemProps5.xml><?xml version="1.0" encoding="utf-8"?>
+<ds:datastoreItem xmlns:ds="http://schemas.openxmlformats.org/officeDocument/2006/customXml" ds:itemID="{855703A6-E97E-43A4-9832-7249D257E27D}">
+  <ds:schemaRefs>
+    <ds:schemaRef ds:uri="http://schemas.microsoft.com/sharepoint/v3/contenttype/forms"/>
+  </ds:schemaRefs>
+</ds:datastoreItem>
 </file>
--- a/ASC-36_Student Competition_UW-Madison.pptx
+++ b/ASC-36_Student Competition_UW-Madison.pptx
@@ -6208,7 +6208,7 @@
         <p:spPr>
           <a:xfrm>
             <a:off x="188913" y="1600200"/>
-            <a:ext cx="12003087" cy="1487703"/>
+            <a:ext cx="12003087" cy="1828800"/>
           </a:xfrm>
           <a:solidFill>
             <a:schemeClr val="accent1"/>
@@ -6228,23 +6228,7 @@
                   <a:schemeClr val="bg1"/>
                 </a:solidFill>
               </a:rPr>
-              <a:t>36</a:t>
-            </a:r>
-            <a:r>
-              <a:rPr lang="en-US" b="1" baseline="30000" dirty="0">
-                <a:solidFill>
-                  <a:schemeClr val="bg1"/>
-                </a:solidFill>
-              </a:rPr>
-              <a:t>th</a:t>
-            </a:r>
-            <a:r>
-              <a:rPr lang="en-US" b="1" dirty="0">
-                <a:solidFill>
-                  <a:schemeClr val="bg1"/>
-                </a:solidFill>
-              </a:rPr>
-              <a:t> ASC conference student competition</a:t>
+              <a:t>Optimization of co-curing process for honeycomb sandwich</a:t>
             </a:r>
           </a:p>
         </p:txBody>
@@ -6389,8 +6373,8 @@
         </p:nvSpPr>
         <p:spPr>
           <a:xfrm>
-            <a:off x="4402979" y="5888960"/>
-            <a:ext cx="3574954" cy="646331"/>
+            <a:off x="3139817" y="5888960"/>
+            <a:ext cx="6101287" cy="646331"/>
           </a:xfrm>
           <a:prstGeom prst="rect">
             <a:avLst/>
@@ -6426,7 +6410,7 @@
                   <a:srgbClr val="7F7F7F"/>
                 </a:solidFill>
               </a:rPr>
-              <a:t> ASC Technical Conference</a:t>
+              <a:t> ASC Technical Conference – Student Competition</a:t>
             </a:r>
             <a:br>
               <a:rPr lang="en-US" sz="1800" b="1" dirty="0">
@@ -23772,7 +23756,7 @@
                 <a:latin typeface="Arial" panose="020B0604020202020204" pitchFamily="34" charset="0"/>
                 <a:cs typeface="Arial" panose="020B0604020202020204" pitchFamily="34" charset="0"/>
               </a:rPr>
-              <a:t>The volume of the squeezed out is lower than the adhesive volume – higher porosity in the squeezed-out resin will have lesser impact on the </a:t>
+              <a:t>The volume of the squeezed-out resin is lower than the adhesive volume – higher porosity in the squeezed-out resin will have lesser impact on the </a:t>
             </a:r>
             <a:r>
               <a:rPr lang="en-US" sz="1800" dirty="0" err="1">
@@ -24695,8 +24679,8 @@
           </a:p>
         </p:txBody>
       </p:sp>
-      <mc:AlternateContent xmlns:mc="http://schemas.openxmlformats.org/markup-compatibility/2006">
-        <mc:Choice xmlns:a14="http://schemas.microsoft.com/office/drawing/2010/main" Requires="a14">
+      <mc:AlternateContent xmlns:mc="http://schemas.openxmlformats.org/markup-compatibility/2006" xmlns:a14="http://schemas.microsoft.com/office/drawing/2010/main">
+        <mc:Choice Requires="a14">
           <p:sp>
             <p:nvSpPr>
               <p:cNvPr id="4" name="TextBox 3">
@@ -25564,7 +25548,7 @@
             </p:txBody>
           </p:sp>
         </mc:Choice>
-        <mc:Fallback>
+        <mc:Fallback xmlns="">
           <p:sp>
             <p:nvSpPr>
               <p:cNvPr id="4" name="TextBox 3">
@@ -25639,7 +25623,7 @@
           <a:p>
             <a:r>
               <a:rPr lang="en-US" sz="1800" b="1" dirty="0"/>
-              <a:t>Tayler Expansion of </a:t>
+              <a:t>Taylor’s Expansion of </a:t>
             </a:r>
             <a:r>
               <a:rPr lang="en-US" sz="1800" b="1" dirty="0" err="1">
@@ -26410,8 +26394,8 @@
           </p:sp>
         </mc:Fallback>
       </mc:AlternateContent>
-      <mc:AlternateContent xmlns:mc="http://schemas.openxmlformats.org/markup-compatibility/2006">
-        <mc:Choice xmlns:a14="http://schemas.microsoft.com/office/drawing/2010/main" Requires="a14">
+      <mc:AlternateContent xmlns:mc="http://schemas.openxmlformats.org/markup-compatibility/2006" xmlns:a14="http://schemas.microsoft.com/office/drawing/2010/main">
+        <mc:Choice Requires="a14">
           <p:sp>
             <p:nvSpPr>
               <p:cNvPr id="8" name="TextBox 7">
@@ -27239,7 +27223,7 @@
             </p:txBody>
           </p:sp>
         </mc:Choice>
-        <mc:Fallback>
+        <mc:Fallback xmlns="">
           <p:sp>
             <p:nvSpPr>
               <p:cNvPr id="8" name="TextBox 7">
@@ -36025,11 +36009,32 @@
 
 <file path=customXml/item1.xml><?xml version="1.0" encoding="utf-8"?>
 <Control xmlns="http://schemas.microsoft.com/VisualStudio/2011/storyboarding/control">
+  <Id Name="366cd925-969f-44e1-b789-354cb31b0dfd" RevisionId="87c5073a-f3d6-4c7e-a7b7-c9586eacad3b" Stencil="172d6d98-e5c9-42e9-a209-79f7a94bbd38" StencilRevisionId="00000000-0000-0000-0000-000000000000" StencilVersion="0.0"/>
+</Control>
+</file>
+
+<file path=customXml/item2.xml><?xml version="1.0" encoding="utf-8"?>
+<p:properties xmlns:p="http://schemas.microsoft.com/office/2006/metadata/properties" xmlns:xsi="http://www.w3.org/2001/XMLSchema-instance">
+  <documentManagement/>
+</p:properties>
+</file>
+
+<file path=customXml/item3.xml><?xml version="1.0" encoding="utf-8"?>
+<?mso-contentType ?>
+<FormTemplates xmlns="http://schemas.microsoft.com/sharepoint/v3/contenttype/forms">
+  <Display>DocumentLibraryForm</Display>
+  <Edit>DocumentLibraryForm</Edit>
+  <New>DocumentLibraryForm</New>
+</FormTemplates>
+</file>
+
+<file path=customXml/item4.xml><?xml version="1.0" encoding="utf-8"?>
+<Control xmlns="http://schemas.microsoft.com/VisualStudio/2011/storyboarding/control">
   <Id Name="System.Storyboarding.WindowsAppIcons.Right" Revision="1" Stencil="System.Storyboarding.WindowsAppIcons" StencilVersion="0.1"/>
 </Control>
 </file>
 
-<file path=customXml/item2.xml><?xml version="1.0" encoding="utf-8"?>
+<file path=customXml/item5.xml><?xml version="1.0" encoding="utf-8"?>
 <ct:contentTypeSchema xmlns:ct="http://schemas.microsoft.com/office/2006/metadata/contentType" xmlns:ma="http://schemas.microsoft.com/office/2006/metadata/properties/metaAttributes" ct:_="" ma:_="" ma:contentTypeName="Document" ma:contentTypeID="0x010100D477912D6DEE594C8AC8437BB563C3FD" ma:contentTypeVersion="4" ma:contentTypeDescription="Create a new document." ma:contentTypeScope="" ma:versionID="60a404a161f8319d6c5891cf63aa6aec">
   <xsd:schema xmlns:xsd="http://www.w3.org/2001/XMLSchema" xmlns:xs="http://www.w3.org/2001/XMLSchema" xmlns:p="http://schemas.microsoft.com/office/2006/metadata/properties" xmlns:ns2="20e8504f-497a-4885-9771-526351184060" targetNamespace="http://schemas.microsoft.com/office/2006/metadata/properties" ma:root="true" ma:fieldsID="a1573618a323179401883e6ed0238d04" ns2:_="">
     <xsd:import namespace="20e8504f-497a-4885-9771-526351184060"/>
@@ -36175,28 +36180,38 @@
 </ct:contentTypeSchema>
 </file>
 
-<file path=customXml/item3.xml><?xml version="1.0" encoding="utf-8"?>
-<Control xmlns="http://schemas.microsoft.com/VisualStudio/2011/storyboarding/control">
-  <Id Name="366cd925-969f-44e1-b789-354cb31b0dfd" RevisionId="87c5073a-f3d6-4c7e-a7b7-c9586eacad3b" Stencil="172d6d98-e5c9-42e9-a209-79f7a94bbd38" StencilRevisionId="00000000-0000-0000-0000-000000000000" StencilVersion="0.0"/>
-</Control>
+<file path=customXml/itemProps1.xml><?xml version="1.0" encoding="utf-8"?>
+<ds:datastoreItem xmlns:ds="http://schemas.openxmlformats.org/officeDocument/2006/customXml" ds:itemID="{DBACCEAD-B58D-41CC-8B2C-516EFE153735}">
+  <ds:schemaRefs>
+    <ds:schemaRef ds:uri="http://schemas.microsoft.com/VisualStudio/2011/storyboarding/control"/>
+  </ds:schemaRefs>
+</ds:datastoreItem>
 </file>
 
-<file path=customXml/item4.xml><?xml version="1.0" encoding="utf-8"?>
-<p:properties xmlns:p="http://schemas.microsoft.com/office/2006/metadata/properties" xmlns:xsi="http://www.w3.org/2001/XMLSchema-instance">
-  <documentManagement/>
-</p:properties>
+<file path=customXml/itemProps2.xml><?xml version="1.0" encoding="utf-8"?>
+<ds:datastoreItem xmlns:ds="http://schemas.openxmlformats.org/officeDocument/2006/customXml" ds:itemID="{07CD457D-4694-4D12-BA63-983D84BFD14B}">
+  <ds:schemaRefs>
+    <ds:schemaRef ds:uri="http://schemas.microsoft.com/office/infopath/2007/PartnerControls"/>
+    <ds:schemaRef ds:uri="http://purl.org/dc/dcmitype/"/>
+    <ds:schemaRef ds:uri="http://schemas.microsoft.com/office/2006/documentManagement/types"/>
+    <ds:schemaRef ds:uri="http://schemas.openxmlformats.org/package/2006/metadata/core-properties"/>
+    <ds:schemaRef ds:uri="http://schemas.microsoft.com/office/2006/metadata/properties"/>
+    <ds:schemaRef ds:uri="http://www.w3.org/XML/1998/namespace"/>
+    <ds:schemaRef ds:uri="http://purl.org/dc/terms/"/>
+    <ds:schemaRef ds:uri="http://purl.org/dc/elements/1.1/"/>
+  </ds:schemaRefs>
+</ds:datastoreItem>
 </file>
 
-<file path=customXml/item5.xml><?xml version="1.0" encoding="utf-8"?>
-<?mso-contentType ?>
-<FormTemplates xmlns="http://schemas.microsoft.com/sharepoint/v3/contenttype/forms">
-  <Display>DocumentLibraryForm</Display>
-  <Edit>DocumentLibraryForm</Edit>
-  <New>DocumentLibraryForm</New>
-</FormTemplates>
+<file path=customXml/itemProps3.xml><?xml version="1.0" encoding="utf-8"?>
+<ds:datastoreItem xmlns:ds="http://schemas.openxmlformats.org/officeDocument/2006/customXml" ds:itemID="{855703A6-E97E-43A4-9832-7249D257E27D}">
+  <ds:schemaRefs>
+    <ds:schemaRef ds:uri="http://schemas.microsoft.com/sharepoint/v3/contenttype/forms"/>
+  </ds:schemaRefs>
+</ds:datastoreItem>
 </file>
 
-<file path=customXml/itemProps1.xml><?xml version="1.0" encoding="utf-8"?>
+<file path=customXml/itemProps4.xml><?xml version="1.0" encoding="utf-8"?>
 <ds:datastoreItem xmlns:ds="http://schemas.openxmlformats.org/officeDocument/2006/customXml" ds:itemID="{53C0FBAB-45CC-44DE-AFAF-77DD3D7A606B}">
   <ds:schemaRefs>
     <ds:schemaRef ds:uri="http://schemas.microsoft.com/VisualStudio/2011/storyboarding/control"/>
@@ -36204,7 +36219,7 @@
 </ds:datastoreItem>
 </file>
 
-<file path=customXml/itemProps2.xml><?xml version="1.0" encoding="utf-8"?>
+<file path=customXml/itemProps5.xml><?xml version="1.0" encoding="utf-8"?>
 <ds:datastoreItem xmlns:ds="http://schemas.openxmlformats.org/officeDocument/2006/customXml" ds:itemID="{44E8167B-3980-4807-A7F6-DE4B1B596FA8}">
   <ds:schemaRefs>
     <ds:schemaRef ds:uri="http://schemas.microsoft.com/office/2006/metadata/contentType"/>
@@ -36220,35 +36235,4 @@
     <ds:schemaRef ds:uri="http://schemas.microsoft.com/internal/obd"/>
   </ds:schemaRefs>
 </ds:datastoreItem>
-</file>
-
-<file path=customXml/itemProps3.xml><?xml version="1.0" encoding="utf-8"?>
-<ds:datastoreItem xmlns:ds="http://schemas.openxmlformats.org/officeDocument/2006/customXml" ds:itemID="{DBACCEAD-B58D-41CC-8B2C-516EFE153735}">
-  <ds:schemaRefs>
-    <ds:schemaRef ds:uri="http://schemas.microsoft.com/VisualStudio/2011/storyboarding/control"/>
-  </ds:schemaRefs>
-</ds:datastoreItem>
-</file>
-
-<file path=customXml/itemProps4.xml><?xml version="1.0" encoding="utf-8"?>
-<ds:datastoreItem xmlns:ds="http://schemas.openxmlformats.org/officeDocument/2006/customXml" ds:itemID="{07CD457D-4694-4D12-BA63-983D84BFD14B}">
-  <ds:schemaRefs>
-    <ds:schemaRef ds:uri="http://schemas.microsoft.com/office/infopath/2007/PartnerControls"/>
-    <ds:schemaRef ds:uri="http://purl.org/dc/dcmitype/"/>
-    <ds:schemaRef ds:uri="http://schemas.microsoft.com/office/2006/documentManagement/types"/>
-    <ds:schemaRef ds:uri="http://schemas.openxmlformats.org/package/2006/metadata/core-properties"/>
-    <ds:schemaRef ds:uri="http://schemas.microsoft.com/office/2006/metadata/properties"/>
-    <ds:schemaRef ds:uri="http://www.w3.org/XML/1998/namespace"/>
-    <ds:schemaRef ds:uri="http://purl.org/dc/terms/"/>
-    <ds:schemaRef ds:uri="http://purl.org/dc/elements/1.1/"/>
-  </ds:schemaRefs>
-</ds:datastoreItem>
-</file>
-
-<file path=customXml/itemProps5.xml><?xml version="1.0" encoding="utf-8"?>
-<ds:datastoreItem xmlns:ds="http://schemas.openxmlformats.org/officeDocument/2006/customXml" ds:itemID="{855703A6-E97E-43A4-9832-7249D257E27D}">
-  <ds:schemaRefs>
-    <ds:schemaRef ds:uri="http://schemas.microsoft.com/sharepoint/v3/contenttype/forms"/>
-  </ds:schemaRefs>
-</ds:datastoreItem>
 </file>